--- a/TC29.pptx
+++ b/TC29.pptx
@@ -3133,6 +3133,10 @@
           <a:bodyPr/>
           <a:lstStyle/>
           <a:p>
+            <a:r>
+              <a:rPr lang="en-US" smtClean="0"/>
+              <a:t>Please revert this document</a:t>
+            </a:r>
             <a:endParaRPr lang="en-US"/>
           </a:p>
         </p:txBody>

--- a/TC29.pptx
+++ b/TC29.pptx
@@ -3133,10 +3133,6 @@
           <a:bodyPr/>
           <a:lstStyle/>
           <a:p>
-            <a:r>
-              <a:rPr lang="en-US" smtClean="0"/>
-              <a:t>Please revert this document</a:t>
-            </a:r>
             <a:endParaRPr lang="en-US"/>
           </a:p>
         </p:txBody>
